--- a/docs/diagrams/UiComponentSequenceDiagram.pptx
+++ b/docs/diagrams/UiComponentSequenceDiagram.pptx
@@ -3455,7 +3455,7 @@
         </p:nvSpPr>
         <p:spPr>
           <a:xfrm>
-            <a:off x="2269288" y="945694"/>
+            <a:off x="2277755" y="957729"/>
             <a:ext cx="5697558" cy="4343400"/>
           </a:xfrm>
           <a:prstGeom prst="roundRect">
@@ -3495,73 +3495,18 @@
             <a:r>
               <a:rPr lang="en-US" sz="1200" b="1" dirty="0">
                 <a:solidFill>
-                  <a:srgbClr val="0070C0"/>
+                  <a:schemeClr val="accent3">
+                    <a:lumMod val="75000"/>
+                  </a:schemeClr>
                 </a:solidFill>
               </a:rPr>
               <a:t>UI</a:t>
             </a:r>
             <a:endParaRPr lang="en-SG" sz="1200" b="1" dirty="0">
               <a:solidFill>
-                <a:srgbClr val="0070C0"/>
-              </a:solidFill>
-            </a:endParaRPr>
-          </a:p>
-        </p:txBody>
-      </p:sp>
-      <p:sp>
-        <p:nvSpPr>
-          <p:cNvPr id="2" name="Rectangle 62"/>
-          <p:cNvSpPr/>
-          <p:nvPr/>
-        </p:nvSpPr>
-        <p:spPr>
-          <a:xfrm>
-            <a:off x="3255660" y="1261748"/>
-            <a:ext cx="1743135" cy="346760"/>
-          </a:xfrm>
-          <a:prstGeom prst="rect">
-            <a:avLst/>
-          </a:prstGeom>
-          <a:solidFill>
-            <a:srgbClr val="0070C0"/>
-          </a:solidFill>
-          <a:ln w="19050">
-            <a:solidFill>
-              <a:srgbClr val="0070C0"/>
-            </a:solidFill>
-          </a:ln>
-          <a:effectLst/>
-        </p:spPr>
-        <p:style>
-          <a:lnRef idx="1">
-            <a:schemeClr val="accent2"/>
-          </a:lnRef>
-          <a:fillRef idx="2">
-            <a:schemeClr val="accent2"/>
-          </a:fillRef>
-          <a:effectRef idx="1">
-            <a:schemeClr val="accent2"/>
-          </a:effectRef>
-          <a:fontRef idx="minor">
-            <a:schemeClr val="dk1"/>
-          </a:fontRef>
-        </p:style>
-        <p:txBody>
-          <a:bodyPr rtlCol="0" anchor="ctr"/>
-          <a:lstStyle/>
-          <a:p>
-            <a:pPr algn="ctr"/>
-            <a:r>
-              <a:rPr lang="en-US" sz="1200" dirty="0">
-                <a:solidFill>
-                  <a:schemeClr val="bg1"/>
-                </a:solidFill>
-              </a:rPr>
-              <a:t>:InstagramBrowserPanel</a:t>
-            </a:r>
-            <a:endParaRPr lang="en-SG" sz="1200" dirty="0">
-              <a:solidFill>
-                <a:schemeClr val="bg1"/>
+                <a:schemeClr val="accent3">
+                  <a:lumMod val="75000"/>
+                </a:schemeClr>
               </a:solidFill>
             </a:endParaRPr>
           </a:p>
@@ -3585,7 +3530,9 @@
           </a:prstGeom>
           <a:ln w="19050">
             <a:solidFill>
-              <a:srgbClr val="0070C0"/>
+              <a:schemeClr val="accent3">
+                <a:lumMod val="75000"/>
+              </a:schemeClr>
             </a:solidFill>
             <a:prstDash val="sysDash"/>
           </a:ln>
@@ -3621,11 +3568,15 @@
             <a:avLst/>
           </a:prstGeom>
           <a:solidFill>
-            <a:srgbClr val="0070C0"/>
+            <a:schemeClr val="accent3">
+              <a:lumMod val="75000"/>
+            </a:schemeClr>
           </a:solidFill>
           <a:ln>
             <a:solidFill>
-              <a:srgbClr val="0070C0"/>
+              <a:schemeClr val="accent3">
+                <a:lumMod val="75000"/>
+              </a:schemeClr>
             </a:solidFill>
           </a:ln>
           <a:effectLst/>
@@ -3662,16 +3613,18 @@
           <p:nvPr/>
         </p:nvCxnSpPr>
         <p:spPr>
-          <a:xfrm flipV="1">
-            <a:off x="2362200" y="1990238"/>
-            <a:ext cx="1703274" cy="2763"/>
+          <a:xfrm>
+            <a:off x="2258304" y="1975404"/>
+            <a:ext cx="1807170" cy="14835"/>
           </a:xfrm>
           <a:prstGeom prst="straightConnector1">
             <a:avLst/>
           </a:prstGeom>
           <a:ln w="19050">
             <a:solidFill>
-              <a:srgbClr val="00B050"/>
+              <a:schemeClr val="accent3">
+                <a:lumMod val="75000"/>
+              </a:schemeClr>
             </a:solidFill>
             <a:tailEnd type="arrow"/>
           </a:ln>
@@ -3699,7 +3652,7 @@
         </p:nvSpPr>
         <p:spPr>
           <a:xfrm>
-            <a:off x="2473004" y="1756459"/>
+            <a:off x="2513467" y="1781016"/>
             <a:ext cx="1384028" cy="184666"/>
           </a:xfrm>
           <a:prstGeom prst="rect">
@@ -3716,7 +3669,9 @@
             <a:r>
               <a:rPr lang="en-US" sz="1200" dirty="0">
                 <a:solidFill>
-                  <a:srgbClr val="0070C0"/>
+                  <a:schemeClr val="accent3">
+                    <a:lumMod val="75000"/>
+                  </a:schemeClr>
                 </a:solidFill>
               </a:rPr>
               <a:t>Selects new person</a:t>
@@ -3743,7 +3698,9 @@
           </a:prstGeom>
           <a:ln w="19050">
             <a:solidFill>
-              <a:schemeClr val="accent1"/>
+              <a:schemeClr val="accent3">
+                <a:lumMod val="75000"/>
+              </a:schemeClr>
             </a:solidFill>
             <a:prstDash val="sysDash"/>
             <a:headEnd type="arrow" w="med" len="med"/>
@@ -3780,11 +3737,15 @@
             <a:avLst/>
           </a:prstGeom>
           <a:solidFill>
-            <a:srgbClr val="0070C0"/>
+            <a:schemeClr val="accent3">
+              <a:lumMod val="75000"/>
+            </a:schemeClr>
           </a:solidFill>
           <a:ln>
             <a:solidFill>
-              <a:srgbClr val="0070C0"/>
+              <a:schemeClr val="accent3">
+                <a:lumMod val="75000"/>
+              </a:schemeClr>
             </a:solidFill>
           </a:ln>
           <a:effectLst/>
@@ -3846,7 +3807,13 @@
           </a:lstStyle>
           <a:p>
             <a:r>
-              <a:rPr lang="en-US" dirty="0"/>
+              <a:rPr lang="en-US" dirty="0">
+                <a:solidFill>
+                  <a:schemeClr val="accent3">
+                    <a:lumMod val="75000"/>
+                  </a:schemeClr>
+                </a:solidFill>
+              </a:rPr>
               <a:t>result</a:t>
             </a:r>
           </a:p>
@@ -3873,11 +3840,15 @@
             <a:avLst/>
           </a:prstGeom>
           <a:solidFill>
-            <a:srgbClr val="0070C0"/>
+            <a:schemeClr val="accent3">
+              <a:lumMod val="75000"/>
+            </a:schemeClr>
           </a:solidFill>
           <a:ln>
             <a:solidFill>
-              <a:srgbClr val="0070C0"/>
+              <a:schemeClr val="accent3">
+                <a:lumMod val="75000"/>
+              </a:schemeClr>
             </a:solidFill>
           </a:ln>
           <a:effectLst/>
@@ -3926,11 +3897,15 @@
             <a:avLst/>
           </a:prstGeom>
           <a:solidFill>
-            <a:srgbClr val="0070C0"/>
+            <a:schemeClr val="accent3">
+              <a:lumMod val="75000"/>
+            </a:schemeClr>
           </a:solidFill>
           <a:ln w="19050">
             <a:solidFill>
-              <a:srgbClr val="0070C0"/>
+              <a:schemeClr val="accent3">
+                <a:lumMod val="75000"/>
+              </a:schemeClr>
             </a:solidFill>
           </a:ln>
           <a:effectLst/>
@@ -3994,7 +3969,9 @@
           </a:prstGeom>
           <a:ln w="19050">
             <a:solidFill>
-              <a:srgbClr val="0070C0"/>
+              <a:schemeClr val="accent3">
+                <a:lumMod val="75000"/>
+              </a:schemeClr>
             </a:solidFill>
             <a:prstDash val="sysDash"/>
           </a:ln>
@@ -4036,11 +4013,15 @@
             <a:avLst/>
           </a:prstGeom>
           <a:solidFill>
-            <a:srgbClr val="0070C0"/>
+            <a:schemeClr val="accent3">
+              <a:lumMod val="75000"/>
+            </a:schemeClr>
           </a:solidFill>
           <a:ln>
             <a:solidFill>
-              <a:srgbClr val="0070C0"/>
+              <a:schemeClr val="accent3">
+                <a:lumMod val="75000"/>
+              </a:schemeClr>
             </a:solidFill>
           </a:ln>
           <a:effectLst/>
@@ -4099,7 +4080,9 @@
             <a:r>
               <a:rPr lang="en-US" sz="1200" dirty="0">
                 <a:solidFill>
-                  <a:srgbClr val="0070C0"/>
+                  <a:schemeClr val="accent3">
+                    <a:lumMod val="75000"/>
+                  </a:schemeClr>
                 </a:solidFill>
               </a:rPr>
               <a:t>handlePersonSelectionChangedEvent(event)</a:t>
@@ -4131,7 +4114,9 @@
           </a:prstGeom>
           <a:ln w="19050">
             <a:solidFill>
-              <a:schemeClr val="accent1"/>
+              <a:schemeClr val="accent3">
+                <a:lumMod val="75000"/>
+              </a:schemeClr>
             </a:solidFill>
             <a:tailEnd type="arrow"/>
           </a:ln>
@@ -4172,11 +4157,15 @@
             <a:avLst/>
           </a:prstGeom>
           <a:solidFill>
-            <a:srgbClr val="0070C0"/>
+            <a:schemeClr val="accent3">
+              <a:lumMod val="75000"/>
+            </a:schemeClr>
           </a:solidFill>
           <a:ln>
             <a:solidFill>
-              <a:srgbClr val="0070C0"/>
+              <a:schemeClr val="accent3">
+                <a:lumMod val="75000"/>
+              </a:schemeClr>
             </a:solidFill>
           </a:ln>
           <a:effectLst/>
@@ -4228,7 +4217,9 @@
           </a:prstGeom>
           <a:ln w="19050">
             <a:solidFill>
-              <a:schemeClr val="accent1"/>
+              <a:schemeClr val="accent3">
+                <a:lumMod val="75000"/>
+              </a:schemeClr>
             </a:solidFill>
             <a:tailEnd type="arrow"/>
           </a:ln>
@@ -4279,7 +4270,9 @@
             <a:r>
               <a:rPr lang="en-US" sz="1200" dirty="0">
                 <a:solidFill>
-                  <a:srgbClr val="0070C0"/>
+                  <a:schemeClr val="accent3">
+                    <a:lumMod val="75000"/>
+                  </a:schemeClr>
                 </a:solidFill>
               </a:rPr>
               <a:t>getNewSelection()</a:t>
@@ -4311,7 +4304,9 @@
           </a:prstGeom>
           <a:ln w="19050">
             <a:solidFill>
-              <a:schemeClr val="accent1"/>
+              <a:schemeClr val="accent3">
+                <a:lumMod val="75000"/>
+              </a:schemeClr>
             </a:solidFill>
             <a:prstDash val="sysDash"/>
             <a:headEnd type="arrow" w="med" len="med"/>
@@ -4364,7 +4359,9 @@
             <a:r>
               <a:rPr lang="en-US" sz="1200" dirty="0">
                 <a:solidFill>
-                  <a:srgbClr val="0070C0"/>
+                  <a:schemeClr val="accent3">
+                    <a:lumMod val="75000"/>
+                  </a:schemeClr>
                 </a:solidFill>
               </a:rPr>
               <a:t>newSelection</a:t>
@@ -4396,7 +4393,9 @@
           </a:prstGeom>
           <a:ln w="19050">
             <a:solidFill>
-              <a:schemeClr val="accent1"/>
+              <a:schemeClr val="accent3">
+                <a:lumMod val="75000"/>
+              </a:schemeClr>
             </a:solidFill>
             <a:tailEnd type="arrow"/>
           </a:ln>
@@ -4437,11 +4436,15 @@
             <a:avLst/>
           </a:prstGeom>
           <a:solidFill>
-            <a:srgbClr val="0070C0"/>
+            <a:schemeClr val="accent3">
+              <a:lumMod val="75000"/>
+            </a:schemeClr>
           </a:solidFill>
           <a:ln>
             <a:solidFill>
-              <a:srgbClr val="0070C0"/>
+              <a:schemeClr val="accent3">
+                <a:lumMod val="75000"/>
+              </a:schemeClr>
             </a:solidFill>
           </a:ln>
           <a:effectLst/>
@@ -4500,7 +4503,9 @@
             <a:r>
               <a:rPr lang="en-US" sz="1200" dirty="0">
                 <a:solidFill>
-                  <a:srgbClr val="0070C0"/>
+                  <a:schemeClr val="accent3">
+                    <a:lumMod val="75000"/>
+                  </a:schemeClr>
                 </a:solidFill>
               </a:rPr>
               <a:t>loadPersonPage(newSelection.person)</a:t>
@@ -4532,7 +4537,9 @@
           </a:prstGeom>
           <a:ln w="19050">
             <a:solidFill>
-              <a:schemeClr val="accent1"/>
+              <a:schemeClr val="accent3">
+                <a:lumMod val="75000"/>
+              </a:schemeClr>
             </a:solidFill>
             <a:prstDash val="sysDash"/>
             <a:headEnd type="arrow" w="med" len="med"/>
@@ -4578,7 +4585,9 @@
           </a:prstGeom>
           <a:ln w="19050">
             <a:solidFill>
-              <a:schemeClr val="accent1"/>
+              <a:schemeClr val="accent3">
+                <a:lumMod val="75000"/>
+              </a:schemeClr>
             </a:solidFill>
             <a:prstDash val="sysDash"/>
             <a:headEnd type="arrow" w="med" len="med"/>
@@ -4600,6 +4609,69 @@
           </a:fontRef>
         </p:style>
       </p:cxnSp>
+      <p:sp>
+        <p:nvSpPr>
+          <p:cNvPr id="2" name="Rectangle 62"/>
+          <p:cNvSpPr/>
+          <p:nvPr/>
+        </p:nvSpPr>
+        <p:spPr>
+          <a:xfrm>
+            <a:off x="3255660" y="1261748"/>
+            <a:ext cx="1743135" cy="346760"/>
+          </a:xfrm>
+          <a:prstGeom prst="rect">
+            <a:avLst/>
+          </a:prstGeom>
+          <a:solidFill>
+            <a:schemeClr val="accent3">
+              <a:lumMod val="75000"/>
+            </a:schemeClr>
+          </a:solidFill>
+          <a:ln w="19050">
+            <a:solidFill>
+              <a:schemeClr val="accent3">
+                <a:lumMod val="75000"/>
+              </a:schemeClr>
+            </a:solidFill>
+          </a:ln>
+          <a:effectLst/>
+        </p:spPr>
+        <p:style>
+          <a:lnRef idx="1">
+            <a:schemeClr val="accent2"/>
+          </a:lnRef>
+          <a:fillRef idx="2">
+            <a:schemeClr val="accent2"/>
+          </a:fillRef>
+          <a:effectRef idx="1">
+            <a:schemeClr val="accent2"/>
+          </a:effectRef>
+          <a:fontRef idx="minor">
+            <a:schemeClr val="dk1"/>
+          </a:fontRef>
+        </p:style>
+        <p:txBody>
+          <a:bodyPr rtlCol="0" anchor="ctr"/>
+          <a:lstStyle/>
+          <a:p>
+            <a:pPr algn="ctr"/>
+            <a:r>
+              <a:rPr lang="en-US" sz="1200" dirty="0">
+                <a:solidFill>
+                  <a:schemeClr val="bg1"/>
+                </a:solidFill>
+              </a:rPr>
+              <a:t>:InstagramBrowserPanel</a:t>
+            </a:r>
+            <a:endParaRPr lang="en-SG" sz="1200" dirty="0">
+              <a:solidFill>
+                <a:schemeClr val="bg1"/>
+              </a:solidFill>
+            </a:endParaRPr>
+          </a:p>
+        </p:txBody>
+      </p:sp>
     </p:spTree>
     <p:extLst>
       <p:ext uri="{BB962C8B-B14F-4D97-AF65-F5344CB8AC3E}">
@@ -4638,8 +4710,8 @@
         </p:nvSpPr>
         <p:spPr>
           <a:xfrm>
-            <a:off x="1375637" y="1600200"/>
-            <a:ext cx="6912520" cy="4000286"/>
+            <a:off x="3505199" y="1600200"/>
+            <a:ext cx="4782957" cy="4000286"/>
           </a:xfrm>
           <a:prstGeom prst="roundRect">
             <a:avLst>
@@ -4678,14 +4750,18 @@
             <a:r>
               <a:rPr lang="en-US" sz="1200" b="1" dirty="0" err="1">
                 <a:solidFill>
-                  <a:srgbClr val="0070C0"/>
+                  <a:schemeClr val="accent3">
+                    <a:lumMod val="75000"/>
+                  </a:schemeClr>
                 </a:solidFill>
               </a:rPr>
               <a:t>Ui</a:t>
             </a:r>
             <a:endParaRPr lang="en-SG" sz="1200" b="1" dirty="0">
               <a:solidFill>
-                <a:srgbClr val="0070C0"/>
+                <a:schemeClr val="accent3">
+                  <a:lumMod val="75000"/>
+                </a:schemeClr>
               </a:solidFill>
             </a:endParaRPr>
           </a:p>
@@ -4706,11 +4782,17 @@
             <a:avLst/>
           </a:prstGeom>
           <a:solidFill>
-            <a:srgbClr val="0070C0"/>
+            <a:schemeClr val="accent2">
+              <a:lumMod val="60000"/>
+              <a:lumOff val="40000"/>
+            </a:schemeClr>
           </a:solidFill>
           <a:ln w="19050">
             <a:solidFill>
-              <a:srgbClr val="0070C0"/>
+              <a:schemeClr val="accent2">
+                <a:lumMod val="60000"/>
+                <a:lumOff val="40000"/>
+              </a:schemeClr>
             </a:solidFill>
           </a:ln>
           <a:effectLst/>
@@ -4777,7 +4859,10 @@
           </a:prstGeom>
           <a:ln w="19050">
             <a:solidFill>
-              <a:srgbClr val="0070C0"/>
+              <a:schemeClr val="accent2">
+                <a:lumMod val="60000"/>
+                <a:lumOff val="40000"/>
+              </a:schemeClr>
             </a:solidFill>
             <a:prstDash val="sysDash"/>
           </a:ln>
@@ -4813,11 +4898,17 @@
             <a:avLst/>
           </a:prstGeom>
           <a:solidFill>
-            <a:srgbClr val="0070C0"/>
+            <a:schemeClr val="accent2">
+              <a:lumMod val="60000"/>
+              <a:lumOff val="40000"/>
+            </a:schemeClr>
           </a:solidFill>
           <a:ln>
             <a:solidFill>
-              <a:srgbClr val="0070C0"/>
+              <a:schemeClr val="accent2">
+                <a:lumMod val="60000"/>
+                <a:lumOff val="40000"/>
+              </a:schemeClr>
             </a:solidFill>
           </a:ln>
           <a:effectLst/>
@@ -4863,7 +4954,10 @@
           </a:prstGeom>
           <a:ln w="19050">
             <a:solidFill>
-              <a:srgbClr val="0070C0"/>
+              <a:schemeClr val="accent2">
+                <a:lumMod val="60000"/>
+                <a:lumOff val="40000"/>
+              </a:schemeClr>
             </a:solidFill>
             <a:tailEnd type="arrow"/>
           </a:ln>
@@ -4901,7 +4995,9 @@
           </a:prstGeom>
           <a:ln w="19050">
             <a:solidFill>
-              <a:srgbClr val="0070C0"/>
+              <a:schemeClr val="accent3">
+                <a:lumMod val="75000"/>
+              </a:schemeClr>
             </a:solidFill>
             <a:prstDash val="sysDash"/>
             <a:headEnd type="arrow" w="med" len="med"/>
@@ -4941,7 +5037,9 @@
           </a:prstGeom>
           <a:ln w="19050">
             <a:solidFill>
-              <a:srgbClr val="0070C0"/>
+              <a:schemeClr val="accent3">
+                <a:lumMod val="75000"/>
+              </a:schemeClr>
             </a:solidFill>
             <a:prstDash val="sysDash"/>
             <a:headEnd type="arrow" w="med" len="med"/>
@@ -4978,11 +5076,15 @@
             <a:avLst/>
           </a:prstGeom>
           <a:solidFill>
-            <a:srgbClr val="0070C0"/>
+            <a:schemeClr val="accent3">
+              <a:lumMod val="75000"/>
+            </a:schemeClr>
           </a:solidFill>
           <a:ln w="19050">
             <a:solidFill>
-              <a:srgbClr val="0070C0"/>
+              <a:schemeClr val="accent3">
+                <a:lumMod val="75000"/>
+              </a:schemeClr>
             </a:solidFill>
           </a:ln>
           <a:effectLst/>
@@ -5054,7 +5156,10 @@
           </a:prstGeom>
           <a:ln w="19050">
             <a:solidFill>
-              <a:srgbClr val="00B050"/>
+              <a:schemeClr val="accent2">
+                <a:lumMod val="60000"/>
+                <a:lumOff val="40000"/>
+              </a:schemeClr>
             </a:solidFill>
             <a:tailEnd type="arrow"/>
           </a:ln>
@@ -5099,7 +5204,9 @@
           </a:prstGeom>
           <a:ln w="19050">
             <a:solidFill>
-              <a:srgbClr val="0070C0"/>
+              <a:schemeClr val="accent3">
+                <a:lumMod val="75000"/>
+              </a:schemeClr>
             </a:solidFill>
             <a:prstDash val="sysDash"/>
           </a:ln>
@@ -5141,11 +5248,15 @@
             <a:avLst/>
           </a:prstGeom>
           <a:solidFill>
-            <a:srgbClr val="0070C0"/>
+            <a:schemeClr val="accent3">
+              <a:lumMod val="75000"/>
+            </a:schemeClr>
           </a:solidFill>
           <a:ln>
             <a:solidFill>
-              <a:srgbClr val="0070C0"/>
+              <a:schemeClr val="accent3">
+                <a:lumMod val="75000"/>
+              </a:schemeClr>
             </a:solidFill>
           </a:ln>
           <a:effectLst/>
@@ -5187,7 +5298,7 @@
         </p:nvSpPr>
         <p:spPr>
           <a:xfrm>
-            <a:off x="2804641" y="2435423"/>
+            <a:off x="2828223" y="2451758"/>
             <a:ext cx="1699118" cy="307777"/>
           </a:xfrm>
           <a:prstGeom prst="rect">
@@ -5204,15 +5315,21 @@
             <a:r>
               <a:rPr lang="en-US" sz="1000" dirty="0" err="1">
                 <a:solidFill>
-                  <a:srgbClr val="0070C0"/>
+                  <a:schemeClr val="accent2">
+                    <a:lumMod val="60000"/>
+                    <a:lumOff val="40000"/>
+                  </a:schemeClr>
                 </a:solidFill>
               </a:rPr>
-              <a:t>handleChangeInformationPanelRequestEvent</a:t>
+              <a:t>changeInformationPanelRequestEvent</a:t>
             </a:r>
             <a:r>
               <a:rPr lang="en-US" sz="1000" dirty="0">
                 <a:solidFill>
-                  <a:srgbClr val="0070C0"/>
+                  <a:schemeClr val="accent2">
+                    <a:lumMod val="60000"/>
+                    <a:lumOff val="40000"/>
+                  </a:schemeClr>
                 </a:solidFill>
               </a:rPr>
               <a:t>(event)</a:t>
@@ -5251,15 +5368,19 @@
             <a:r>
               <a:rPr lang="en-US" sz="1000" dirty="0" err="1">
                 <a:solidFill>
-                  <a:srgbClr val="0070C0"/>
+                  <a:schemeClr val="accent3">
+                    <a:lumMod val="75000"/>
+                  </a:schemeClr>
                 </a:solidFill>
               </a:rPr>
-              <a:t>ChangeInformationPanel</a:t>
+              <a:t>changeInformationPanel</a:t>
             </a:r>
             <a:r>
               <a:rPr lang="en-US" sz="1000" dirty="0">
                 <a:solidFill>
-                  <a:srgbClr val="0070C0"/>
+                  <a:schemeClr val="accent3">
+                    <a:lumMod val="75000"/>
+                  </a:schemeClr>
                 </a:solidFill>
               </a:rPr>
               <a:t>(event)</a:t>
@@ -5288,11 +5409,15 @@
             <a:avLst/>
           </a:prstGeom>
           <a:solidFill>
-            <a:srgbClr val="0070C0"/>
+            <a:schemeClr val="accent3">
+              <a:lumMod val="75000"/>
+            </a:schemeClr>
           </a:solidFill>
           <a:ln w="19050">
             <a:solidFill>
-              <a:srgbClr val="0070C0"/>
+              <a:schemeClr val="accent3">
+                <a:lumMod val="75000"/>
+              </a:schemeClr>
             </a:solidFill>
           </a:ln>
           <a:effectLst/>
@@ -5364,7 +5489,9 @@
           </a:prstGeom>
           <a:ln w="19050">
             <a:solidFill>
-              <a:srgbClr val="0070C0"/>
+              <a:schemeClr val="accent3">
+                <a:lumMod val="75000"/>
+              </a:schemeClr>
             </a:solidFill>
             <a:prstDash val="sysDash"/>
           </a:ln>
@@ -5406,11 +5533,15 @@
             <a:avLst/>
           </a:prstGeom>
           <a:solidFill>
-            <a:srgbClr val="0070C0"/>
+            <a:schemeClr val="accent3">
+              <a:lumMod val="75000"/>
+            </a:schemeClr>
           </a:solidFill>
           <a:ln>
             <a:solidFill>
-              <a:srgbClr val="0070C0"/>
+              <a:schemeClr val="accent3">
+                <a:lumMod val="75000"/>
+              </a:schemeClr>
             </a:solidFill>
           </a:ln>
           <a:effectLst/>
@@ -5462,7 +5593,9 @@
           </a:prstGeom>
           <a:ln w="19050">
             <a:solidFill>
-              <a:srgbClr val="0070C0"/>
+              <a:schemeClr val="accent3">
+                <a:lumMod val="75000"/>
+              </a:schemeClr>
             </a:solidFill>
             <a:tailEnd type="arrow"/>
           </a:ln>
@@ -5503,11 +5636,15 @@
             <a:avLst/>
           </a:prstGeom>
           <a:solidFill>
-            <a:srgbClr val="0070C0"/>
+            <a:schemeClr val="accent3">
+              <a:lumMod val="75000"/>
+            </a:schemeClr>
           </a:solidFill>
           <a:ln>
             <a:solidFill>
-              <a:srgbClr val="0070C0"/>
+              <a:schemeClr val="accent3">
+                <a:lumMod val="75000"/>
+              </a:schemeClr>
             </a:solidFill>
           </a:ln>
           <a:effectLst/>
@@ -5556,6 +5693,9 @@
             <a:avLst/>
           </a:prstGeom>
           <a:noFill/>
+          <a:ln>
+            <a:noFill/>
+          </a:ln>
         </p:spPr>
         <p:txBody>
           <a:bodyPr wrap="square" lIns="0" tIns="0" rIns="0" bIns="0" rtlCol="0">
@@ -5566,15 +5706,19 @@
             <a:r>
               <a:rPr lang="en-US" sz="1000" dirty="0" err="1">
                 <a:solidFill>
-                  <a:srgbClr val="0070C0"/>
+                  <a:schemeClr val="accent3">
+                    <a:lumMod val="75000"/>
+                  </a:schemeClr>
                 </a:solidFill>
               </a:rPr>
-              <a:t>ChangeInformationPanel</a:t>
+              <a:t>changeInformationPanel</a:t>
             </a:r>
             <a:r>
               <a:rPr lang="en-US" sz="1000" dirty="0">
                 <a:solidFill>
-                  <a:srgbClr val="0070C0"/>
+                  <a:schemeClr val="accent3">
+                    <a:lumMod val="75000"/>
+                  </a:schemeClr>
                 </a:solidFill>
               </a:rPr>
               <a:t> (event)</a:t>
@@ -5606,7 +5750,9 @@
           </a:prstGeom>
           <a:ln w="19050">
             <a:solidFill>
-              <a:schemeClr val="accent1"/>
+              <a:schemeClr val="accent3">
+                <a:lumMod val="75000"/>
+              </a:schemeClr>
             </a:solidFill>
             <a:tailEnd type="arrow"/>
           </a:ln>
@@ -5650,7 +5796,9 @@
           </a:prstGeom>
           <a:ln w="19050">
             <a:solidFill>
-              <a:schemeClr val="accent1"/>
+              <a:schemeClr val="accent3">
+                <a:lumMod val="75000"/>
+              </a:schemeClr>
             </a:solidFill>
             <a:prstDash val="sysDash"/>
             <a:headEnd type="arrow" w="med" len="med"/>
